--- a/_extensions/kansas/pptx/powerpoint-template.pptx
+++ b/_extensions/kansas/pptx/powerpoint-template.pptx
@@ -2,10 +2,10 @@
 <file path=ppt/presentation.xml><?xml version="1.0" encoding="utf-8"?>
 <p:presentation xmlns:a="http://schemas.openxmlformats.org/drawingml/2006/main" xmlns:r="http://schemas.openxmlformats.org/officeDocument/2006/relationships" xmlns:p="http://schemas.openxmlformats.org/presentationml/2006/main" saveSubsetFonts="1" autoCompressPictures="0">
   <p:sldMasterIdLst>
-    <p:sldMasterId id="2147483660" r:id="rId3"/>
+    <p:sldMasterId id="2147483660" r:id="rId1"/>
   </p:sldMasterIdLst>
   <p:sldIdLst>
-    <p:sldId id="256" r:id="rId4"/>
+    <p:sldId id="256" r:id="rId2"/>
   </p:sldIdLst>
   <p:sldSz cx="12192000" cy="6858000"/>
   <p:notesSz cx="6858000" cy="9144000"/>
@@ -157,10 +157,9 @@
           </a:lstStyle>
           <a:p>
             <a:r>
-              <a:rPr lang="en-US"/>
+              <a:rPr lang="en-US" dirty="0"/>
               <a:t>Click to edit Master title style</a:t>
             </a:r>
-            <a:endParaRPr lang="en-US" dirty="0"/>
           </a:p>
         </p:txBody>
       </p:sp>
@@ -225,10 +224,9 @@
           </a:lstStyle>
           <a:p>
             <a:r>
-              <a:rPr lang="en-US"/>
+              <a:rPr lang="en-US" dirty="0"/>
               <a:t>Click to edit Master subtitle style</a:t>
             </a:r>
-            <a:endParaRPr lang="en-US" dirty="0"/>
           </a:p>
         </p:txBody>
       </p:sp>
@@ -249,7 +247,7 @@
           <a:p>
             <a:fld id="{975902A8-B4D8-5C4C-990B-0D5714F6EFB0}" type="datetimeFigureOut">
               <a:rPr lang="en-US" smtClean="0"/>
-              <a:t>8/5/24</a:t>
+              <a:t>8/9/24</a:t>
             </a:fld>
             <a:endParaRPr lang="en-US"/>
           </a:p>
@@ -5866,7 +5864,7 @@
           <a:p>
             <a:fld id="{975902A8-B4D8-5C4C-990B-0D5714F6EFB0}" type="datetimeFigureOut">
               <a:rPr lang="en-US" smtClean="0"/>
-              <a:t>8/5/24</a:t>
+              <a:t>8/9/24</a:t>
             </a:fld>
             <a:endParaRPr lang="en-US"/>
           </a:p>
@@ -6624,7 +6622,7 @@
           <a:p>
             <a:fld id="{975902A8-B4D8-5C4C-990B-0D5714F6EFB0}" type="datetimeFigureOut">
               <a:rPr lang="en-US" smtClean="0"/>
-              <a:t>8/5/24</a:t>
+              <a:t>8/9/24</a:t>
             </a:fld>
             <a:endParaRPr lang="en-US"/>
           </a:p>
@@ -7423,7 +7421,7 @@
           <a:p>
             <a:fld id="{975902A8-B4D8-5C4C-990B-0D5714F6EFB0}" type="datetimeFigureOut">
               <a:rPr lang="en-US" smtClean="0"/>
-              <a:t>8/5/24</a:t>
+              <a:t>8/9/24</a:t>
             </a:fld>
             <a:endParaRPr lang="en-US"/>
           </a:p>
@@ -8385,7 +8383,7 @@
           <a:p>
             <a:fld id="{975902A8-B4D8-5C4C-990B-0D5714F6EFB0}" type="datetimeFigureOut">
               <a:rPr lang="en-US" smtClean="0"/>
-              <a:t>8/5/24</a:t>
+              <a:t>8/9/24</a:t>
             </a:fld>
             <a:endParaRPr lang="en-US"/>
           </a:p>
@@ -9246,7 +9244,7 @@
           <a:p>
             <a:fld id="{975902A8-B4D8-5C4C-990B-0D5714F6EFB0}" type="datetimeFigureOut">
               <a:rPr lang="en-US" smtClean="0"/>
-              <a:t>8/5/24</a:t>
+              <a:t>8/9/24</a:t>
             </a:fld>
             <a:endParaRPr lang="en-US"/>
           </a:p>
@@ -10221,7 +10219,7 @@
           <a:p>
             <a:fld id="{975902A8-B4D8-5C4C-990B-0D5714F6EFB0}" type="datetimeFigureOut">
               <a:rPr lang="en-US" smtClean="0"/>
-              <a:t>8/5/24</a:t>
+              <a:t>8/9/24</a:t>
             </a:fld>
             <a:endParaRPr lang="en-US"/>
           </a:p>
@@ -10917,7 +10915,7 @@
           <a:p>
             <a:fld id="{975902A8-B4D8-5C4C-990B-0D5714F6EFB0}" type="datetimeFigureOut">
               <a:rPr lang="en-US" smtClean="0"/>
-              <a:t>8/5/24</a:t>
+              <a:t>8/9/24</a:t>
             </a:fld>
             <a:endParaRPr lang="en-US"/>
           </a:p>
@@ -11590,7 +11588,7 @@
           <a:p>
             <a:fld id="{975902A8-B4D8-5C4C-990B-0D5714F6EFB0}" type="datetimeFigureOut">
               <a:rPr lang="en-US" smtClean="0"/>
-              <a:t>8/5/24</a:t>
+              <a:t>8/9/24</a:t>
             </a:fld>
             <a:endParaRPr lang="en-US"/>
           </a:p>
@@ -12445,7 +12443,7 @@
           <a:p>
             <a:fld id="{975902A8-B4D8-5C4C-990B-0D5714F6EFB0}" type="datetimeFigureOut">
               <a:rPr lang="en-US" smtClean="0"/>
-              <a:t>8/5/24</a:t>
+              <a:t>8/9/24</a:t>
             </a:fld>
             <a:endParaRPr lang="en-US"/>
           </a:p>
@@ -13280,7 +13278,7 @@
           <a:p>
             <a:fld id="{975902A8-B4D8-5C4C-990B-0D5714F6EFB0}" type="datetimeFigureOut">
               <a:rPr lang="en-US" smtClean="0"/>
-              <a:t>8/5/24</a:t>
+              <a:t>8/9/24</a:t>
             </a:fld>
             <a:endParaRPr lang="en-US"/>
           </a:p>
@@ -13994,7 +13992,7 @@
       </p:sp>
       <p:pic>
         <p:nvPicPr>
-          <p:cNvPr id="12" name="Picture 11" descr="A black and white sign with blue text&#10;&#10;Description automatically generated">
+          <p:cNvPr id="12" name="Picture 11" descr="A black and white sign with blue text  Description automatically generated">
             <a:extLst>
               <a:ext uri="{FF2B5EF4-FFF2-40B4-BE49-F238E27FC236}">
                 <a16:creationId xmlns:a16="http://schemas.microsoft.com/office/drawing/2014/main" id="{51DA4C42-2695-3FCA-DA03-82125166220E}"/>
@@ -14048,10 +14046,9 @@
           <a:lstStyle/>
           <a:p>
             <a:r>
-              <a:rPr lang="en-US"/>
+              <a:rPr lang="en-US" dirty="0"/>
               <a:t>Click to edit Master title style</a:t>
             </a:r>
-            <a:endParaRPr lang="en-US" dirty="0"/>
           </a:p>
         </p:txBody>
       </p:sp>
@@ -14082,38 +14079,37 @@
           <a:p>
             <a:pPr lvl="0"/>
             <a:r>
-              <a:rPr lang="en-US"/>
+              <a:rPr lang="en-US" dirty="0"/>
               <a:t>Click to edit Master text styles</a:t>
             </a:r>
           </a:p>
           <a:p>
             <a:pPr lvl="1"/>
             <a:r>
-              <a:rPr lang="en-US"/>
+              <a:rPr lang="en-US" dirty="0"/>
               <a:t>Second level</a:t>
             </a:r>
           </a:p>
           <a:p>
             <a:pPr lvl="2"/>
             <a:r>
-              <a:rPr lang="en-US"/>
+              <a:rPr lang="en-US" dirty="0"/>
               <a:t>Third level</a:t>
             </a:r>
           </a:p>
           <a:p>
             <a:pPr lvl="3"/>
             <a:r>
-              <a:rPr lang="en-US"/>
+              <a:rPr lang="en-US" dirty="0"/>
               <a:t>Fourth level</a:t>
             </a:r>
           </a:p>
           <a:p>
             <a:pPr lvl="4"/>
             <a:r>
-              <a:rPr lang="en-US"/>
+              <a:rPr lang="en-US" dirty="0"/>
               <a:t>Fifth level</a:t>
             </a:r>
-            <a:endParaRPr lang="en-US" dirty="0"/>
           </a:p>
         </p:txBody>
       </p:sp>
@@ -14152,7 +14148,7 @@
           <a:p>
             <a:fld id="{975902A8-B4D8-5C4C-990B-0D5714F6EFB0}" type="datetimeFigureOut">
               <a:rPr lang="en-US" smtClean="0"/>
-              <a:t>8/5/24</a:t>
+              <a:t>8/9/24</a:t>
             </a:fld>
             <a:endParaRPr lang="en-US"/>
           </a:p>
@@ -14522,13 +14518,7 @@
       </p:grpSpPr>
       <p:sp>
         <p:nvSpPr>
-          <p:cNvPr id="2" name="Title 1">
-            <a:extLst>
-              <a:ext uri="{FF2B5EF4-FFF2-40B4-BE49-F238E27FC236}">
-                <a16:creationId xmlns:a16="http://schemas.microsoft.com/office/drawing/2014/main" id="{092F084F-D084-0DF8-B91C-56B9A32E1111}"/>
-              </a:ext>
-            </a:extLst>
-          </p:cNvPr>
+          <p:cNvPr id="2" name="Title 1"/>
           <p:cNvSpPr>
             <a:spLocks noGrp="1"/>
           </p:cNvSpPr>
@@ -14536,24 +14526,26 @@
             <p:ph type="ctrTitle"/>
           </p:nvPr>
         </p:nvSpPr>
-        <p:spPr/>
+        <p:spPr>
+          <a:xfrm>
+            <a:off x="1524000" y="1122363"/>
+            <a:ext cx="9144000" cy="2387600"/>
+          </a:xfrm>
+        </p:spPr>
         <p:txBody>
           <a:bodyPr/>
           <a:lstStyle/>
           <a:p>
-            <a:endParaRPr lang="en-US"/>
+            <a:pPr marL="0" lvl="0" indent="0">
+              <a:buNone/>
+            </a:pPr>
+            <a:endParaRPr dirty="0"/>
           </a:p>
         </p:txBody>
       </p:sp>
       <p:sp>
         <p:nvSpPr>
-          <p:cNvPr id="3" name="Subtitle 2">
-            <a:extLst>
-              <a:ext uri="{FF2B5EF4-FFF2-40B4-BE49-F238E27FC236}">
-                <a16:creationId xmlns:a16="http://schemas.microsoft.com/office/drawing/2014/main" id="{7361083D-B9F6-0A49-3361-03BFC2C1E236}"/>
-              </a:ext>
-            </a:extLst>
-          </p:cNvPr>
+          <p:cNvPr id="3" name="Subtitle 2"/>
           <p:cNvSpPr>
             <a:spLocks noGrp="1"/>
           </p:cNvSpPr>
@@ -14561,21 +14553,48 @@
             <p:ph type="subTitle" idx="1"/>
           </p:nvPr>
         </p:nvSpPr>
+        <p:spPr>
+          <a:xfrm>
+            <a:off x="1524000" y="3602038"/>
+            <a:ext cx="9144000" cy="1655762"/>
+          </a:xfrm>
+        </p:spPr>
+        <p:txBody>
+          <a:bodyPr/>
+          <a:lstStyle/>
+          <a:p>
+            <a:pPr marL="0" lvl="0" indent="0">
+              <a:buNone/>
+            </a:pPr>
+            <a:endParaRPr dirty="0"/>
+          </a:p>
+        </p:txBody>
+      </p:sp>
+      <p:sp>
+        <p:nvSpPr>
+          <p:cNvPr id="4" name="Date Placeholder 3"/>
+          <p:cNvSpPr>
+            <a:spLocks noGrp="1"/>
+          </p:cNvSpPr>
+          <p:nvPr>
+            <p:ph type="dt" sz="half" idx="10"/>
+          </p:nvPr>
+        </p:nvSpPr>
         <p:spPr/>
         <p:txBody>
           <a:bodyPr/>
           <a:lstStyle/>
           <a:p>
-            <a:endParaRPr lang="en-US"/>
+            <a:pPr marL="0" lvl="0" indent="0">
+              <a:buNone/>
+            </a:pPr>
+            <a:r>
+              <a:t>August 9, 2024</a:t>
+            </a:r>
           </a:p>
         </p:txBody>
       </p:sp>
     </p:spTree>
-    <p:extLst>
-      <p:ext uri="{BB962C8B-B14F-4D97-AF65-F5344CB8AC3E}">
-        <p14:creationId xmlns:p14="http://schemas.microsoft.com/office/powerpoint/2010/main" val="20366861"/>
-      </p:ext>
-    </p:extLst>
   </p:cSld>
   <p:clrMapOvr>
     <a:masterClrMapping/>
@@ -14896,303 +14915,4 @@
     </a:ext>
   </a:extLst>
 </a:theme>
-</file>
-
-<file path=customXml/item1.xml><?xml version="1.0" encoding="utf-8"?>
-<?mso-contentType ?>
-<FormTemplates xmlns="http://schemas.microsoft.com/sharepoint/v3/contenttype/forms">
-  <Display>DocumentLibraryForm</Display>
-  <Edit>DocumentLibraryForm</Edit>
-  <New>DocumentLibraryForm</New>
-</FormTemplates>
-</file>
-
-<file path=customXml/item2.xml><?xml version="1.0" encoding="utf-8"?>
-<ct:contentTypeSchema xmlns:ct="http://schemas.microsoft.com/office/2006/metadata/contentType" xmlns:ma="http://schemas.microsoft.com/office/2006/metadata/properties/metaAttributes" ct:_="" ma:_="" ma:contentTypeName="Document" ma:contentTypeID="0x010100590FE663AF5BFF4DB8E9B7C4E295182A" ma:contentTypeVersion="19" ma:contentTypeDescription="Create a new document." ma:contentTypeScope="" ma:versionID="791a53240e04e0f66e50844915a0db97">
-  <xsd:schema xmlns:xsd="http://www.w3.org/2001/XMLSchema" xmlns:xs="http://www.w3.org/2001/XMLSchema" xmlns:p="http://schemas.microsoft.com/office/2006/metadata/properties" xmlns:ns2="a54e259a-f073-49a9-8e76-ff7d29ad8d20" xmlns:ns3="ae32b7ce-9091-43ce-8882-60fc6bebe746" targetNamespace="http://schemas.microsoft.com/office/2006/metadata/properties" ma:root="true" ma:fieldsID="3eedbd51caf4f6fe2caf0a75483ea49c" ns2:_="" ns3:_="">
-    <xsd:import namespace="a54e259a-f073-49a9-8e76-ff7d29ad8d20"/>
-    <xsd:import namespace="ae32b7ce-9091-43ce-8882-60fc6bebe746"/>
-    <xsd:element name="properties">
-      <xsd:complexType>
-        <xsd:sequence>
-          <xsd:element name="documentManagement">
-            <xsd:complexType>
-              <xsd:all>
-                <xsd:element ref="ns2:MediaServiceMetadata" minOccurs="0"/>
-                <xsd:element ref="ns2:MediaServiceFastMetadata" minOccurs="0"/>
-                <xsd:element ref="ns2:MediaServiceAutoKeyPoints" minOccurs="0"/>
-                <xsd:element ref="ns2:MediaServiceKeyPoints" minOccurs="0"/>
-                <xsd:element ref="ns3:SharedWithUsers" minOccurs="0"/>
-                <xsd:element ref="ns3:SharedWithDetails" minOccurs="0"/>
-                <xsd:element ref="ns2:Classification" minOccurs="0"/>
-                <xsd:element ref="ns2:MediaServiceAutoTags" minOccurs="0"/>
-                <xsd:element ref="ns2:MediaServiceOCR" minOccurs="0"/>
-                <xsd:element ref="ns2:MediaServiceGenerationTime" minOccurs="0"/>
-                <xsd:element ref="ns2:MediaServiceEventHashCode" minOccurs="0"/>
-                <xsd:element ref="ns2:MediaServiceDateTaken" minOccurs="0"/>
-                <xsd:element ref="ns2:MediaLengthInSeconds" minOccurs="0"/>
-                <xsd:element ref="ns2:WeblinkInformation" minOccurs="0"/>
-                <xsd:element ref="ns2:lcf76f155ced4ddcb4097134ff3c332f" minOccurs="0"/>
-                <xsd:element ref="ns3:TaxCatchAll" minOccurs="0"/>
-                <xsd:element ref="ns2:MediaServiceObjectDetectorVersions" minOccurs="0"/>
-                <xsd:element ref="ns2:MediaServiceSearchProperties" minOccurs="0"/>
-              </xsd:all>
-            </xsd:complexType>
-          </xsd:element>
-        </xsd:sequence>
-      </xsd:complexType>
-    </xsd:element>
-  </xsd:schema>
-  <xsd:schema xmlns:xsd="http://www.w3.org/2001/XMLSchema" xmlns:xs="http://www.w3.org/2001/XMLSchema" xmlns:dms="http://schemas.microsoft.com/office/2006/documentManagement/types" xmlns:pc="http://schemas.microsoft.com/office/infopath/2007/PartnerControls" targetNamespace="a54e259a-f073-49a9-8e76-ff7d29ad8d20" elementFormDefault="qualified">
-    <xsd:import namespace="http://schemas.microsoft.com/office/2006/documentManagement/types"/>
-    <xsd:import namespace="http://schemas.microsoft.com/office/infopath/2007/PartnerControls"/>
-    <xsd:element name="MediaServiceMetadata" ma:index="8" nillable="true" ma:displayName="MediaServiceMetadata" ma:hidden="true" ma:internalName="MediaServiceMetadata" ma:readOnly="true">
-      <xsd:simpleType>
-        <xsd:restriction base="dms:Note"/>
-      </xsd:simpleType>
-    </xsd:element>
-    <xsd:element name="MediaServiceFastMetadata" ma:index="9" nillable="true" ma:displayName="MediaServiceFastMetadata" ma:hidden="true" ma:internalName="MediaServiceFastMetadata" ma:readOnly="true">
-      <xsd:simpleType>
-        <xsd:restriction base="dms:Note"/>
-      </xsd:simpleType>
-    </xsd:element>
-    <xsd:element name="MediaServiceAutoKeyPoints" ma:index="10" nillable="true" ma:displayName="MediaServiceAutoKeyPoints" ma:hidden="true" ma:internalName="MediaServiceAutoKeyPoints" ma:readOnly="true">
-      <xsd:simpleType>
-        <xsd:restriction base="dms:Note"/>
-      </xsd:simpleType>
-    </xsd:element>
-    <xsd:element name="MediaServiceKeyPoints" ma:index="11" nillable="true" ma:displayName="KeyPoints" ma:internalName="MediaServiceKeyPoints" ma:readOnly="true">
-      <xsd:simpleType>
-        <xsd:restriction base="dms:Note">
-          <xsd:maxLength value="255"/>
-        </xsd:restriction>
-      </xsd:simpleType>
-    </xsd:element>
-    <xsd:element name="Classification" ma:index="14" nillable="true" ma:displayName="Classification" ma:internalName="Classification">
-      <xsd:simpleType>
-        <xsd:restriction base="dms:Text"/>
-      </xsd:simpleType>
-    </xsd:element>
-    <xsd:element name="MediaServiceAutoTags" ma:index="15" nillable="true" ma:displayName="Tags" ma:internalName="MediaServiceAutoTags" ma:readOnly="true">
-      <xsd:simpleType>
-        <xsd:restriction base="dms:Text"/>
-      </xsd:simpleType>
-    </xsd:element>
-    <xsd:element name="MediaServiceOCR" ma:index="16" nillable="true" ma:displayName="Extracted Text" ma:internalName="MediaServiceOCR" ma:readOnly="true">
-      <xsd:simpleType>
-        <xsd:restriction base="dms:Note">
-          <xsd:maxLength value="255"/>
-        </xsd:restriction>
-      </xsd:simpleType>
-    </xsd:element>
-    <xsd:element name="MediaServiceGenerationTime" ma:index="17" nillable="true" ma:displayName="MediaServiceGenerationTime" ma:hidden="true" ma:internalName="MediaServiceGenerationTime" ma:readOnly="true">
-      <xsd:simpleType>
-        <xsd:restriction base="dms:Text"/>
-      </xsd:simpleType>
-    </xsd:element>
-    <xsd:element name="MediaServiceEventHashCode" ma:index="18" nillable="true" ma:displayName="MediaServiceEventHashCode" ma:hidden="true" ma:internalName="MediaServiceEventHashCode" ma:readOnly="true">
-      <xsd:simpleType>
-        <xsd:restriction base="dms:Text"/>
-      </xsd:simpleType>
-    </xsd:element>
-    <xsd:element name="MediaServiceDateTaken" ma:index="19" nillable="true" ma:displayName="MediaServiceDateTaken" ma:hidden="true" ma:internalName="MediaServiceDateTaken" ma:readOnly="true">
-      <xsd:simpleType>
-        <xsd:restriction base="dms:Text"/>
-      </xsd:simpleType>
-    </xsd:element>
-    <xsd:element name="MediaLengthInSeconds" ma:index="20" nillable="true" ma:displayName="MediaLengthInSeconds" ma:hidden="true" ma:internalName="MediaLengthInSeconds" ma:readOnly="true">
-      <xsd:simpleType>
-        <xsd:restriction base="dms:Unknown"/>
-      </xsd:simpleType>
-    </xsd:element>
-    <xsd:element name="WeblinkInformation" ma:index="21" nillable="true" ma:displayName="Weblink Information" ma:format="Dropdown" ma:internalName="WeblinkInformation">
-      <xsd:simpleType>
-        <xsd:restriction base="dms:Note">
-          <xsd:maxLength value="255"/>
-        </xsd:restriction>
-      </xsd:simpleType>
-    </xsd:element>
-    <xsd:element name="lcf76f155ced4ddcb4097134ff3c332f" ma:index="23" nillable="true" ma:taxonomy="true" ma:internalName="lcf76f155ced4ddcb4097134ff3c332f" ma:taxonomyFieldName="MediaServiceImageTags" ma:displayName="Image Tags" ma:readOnly="false" ma:fieldId="{5cf76f15-5ced-4ddc-b409-7134ff3c332f}" ma:taxonomyMulti="true" ma:sspId="659f85e2-7a09-45ed-ae36-f6f783af5b46" ma:termSetId="09814cd3-568e-fe90-9814-8d621ff8fb84" ma:anchorId="fba54fb3-c3e1-fe81-a776-ca4b69148c4d" ma:open="true" ma:isKeyword="false">
-      <xsd:complexType>
-        <xsd:sequence>
-          <xsd:element ref="pc:Terms" minOccurs="0" maxOccurs="1"/>
-        </xsd:sequence>
-      </xsd:complexType>
-    </xsd:element>
-    <xsd:element name="MediaServiceObjectDetectorVersions" ma:index="25" nillable="true" ma:displayName="MediaServiceObjectDetectorVersions" ma:hidden="true" ma:indexed="true" ma:internalName="MediaServiceObjectDetectorVersions" ma:readOnly="true">
-      <xsd:simpleType>
-        <xsd:restriction base="dms:Text"/>
-      </xsd:simpleType>
-    </xsd:element>
-    <xsd:element name="MediaServiceSearchProperties" ma:index="26" nillable="true" ma:displayName="MediaServiceSearchProperties" ma:hidden="true" ma:internalName="MediaServiceSearchProperties" ma:readOnly="true">
-      <xsd:simpleType>
-        <xsd:restriction base="dms:Note"/>
-      </xsd:simpleType>
-    </xsd:element>
-  </xsd:schema>
-  <xsd:schema xmlns:xsd="http://www.w3.org/2001/XMLSchema" xmlns:xs="http://www.w3.org/2001/XMLSchema" xmlns:dms="http://schemas.microsoft.com/office/2006/documentManagement/types" xmlns:pc="http://schemas.microsoft.com/office/infopath/2007/PartnerControls" targetNamespace="ae32b7ce-9091-43ce-8882-60fc6bebe746" elementFormDefault="qualified">
-    <xsd:import namespace="http://schemas.microsoft.com/office/2006/documentManagement/types"/>
-    <xsd:import namespace="http://schemas.microsoft.com/office/infopath/2007/PartnerControls"/>
-    <xsd:element name="SharedWithUsers" ma:index="12" nillable="true" ma:displayName="Shared With" ma:internalName="SharedWithUsers" ma:readOnly="true">
-      <xsd:complexType>
-        <xsd:complexContent>
-          <xsd:extension base="dms:UserMulti">
-            <xsd:sequence>
-              <xsd:element name="UserInfo" minOccurs="0" maxOccurs="unbounded">
-                <xsd:complexType>
-                  <xsd:sequence>
-                    <xsd:element name="DisplayName" type="xsd:string" minOccurs="0"/>
-                    <xsd:element name="AccountId" type="dms:UserId" minOccurs="0" nillable="true"/>
-                    <xsd:element name="AccountType" type="xsd:string" minOccurs="0"/>
-                  </xsd:sequence>
-                </xsd:complexType>
-              </xsd:element>
-            </xsd:sequence>
-          </xsd:extension>
-        </xsd:complexContent>
-      </xsd:complexType>
-    </xsd:element>
-    <xsd:element name="SharedWithDetails" ma:index="13" nillable="true" ma:displayName="Shared With Details" ma:internalName="SharedWithDetails" ma:readOnly="true">
-      <xsd:simpleType>
-        <xsd:restriction base="dms:Note">
-          <xsd:maxLength value="255"/>
-        </xsd:restriction>
-      </xsd:simpleType>
-    </xsd:element>
-    <xsd:element name="TaxCatchAll" ma:index="24" nillable="true" ma:displayName="Taxonomy Catch All Column" ma:hidden="true" ma:list="{2b5ab5a4-2b19-4bef-834f-54f009438006}" ma:internalName="TaxCatchAll" ma:showField="CatchAllData" ma:web="ae32b7ce-9091-43ce-8882-60fc6bebe746">
-      <xsd:complexType>
-        <xsd:complexContent>
-          <xsd:extension base="dms:MultiChoiceLookup">
-            <xsd:sequence>
-              <xsd:element name="Value" type="dms:Lookup" maxOccurs="unbounded" minOccurs="0" nillable="true"/>
-            </xsd:sequence>
-          </xsd:extension>
-        </xsd:complexContent>
-      </xsd:complexType>
-    </xsd:element>
-  </xsd:schema>
-  <xsd:schema xmlns="http://schemas.openxmlformats.org/package/2006/metadata/core-properties" xmlns:xsd="http://www.w3.org/2001/XMLSchema" xmlns:xsi="http://www.w3.org/2001/XMLSchema-instance" xmlns:dc="http://purl.org/dc/elements/1.1/" xmlns:dcterms="http://purl.org/dc/terms/" xmlns:odoc="http://schemas.microsoft.com/internal/obd" targetNamespace="http://schemas.openxmlformats.org/package/2006/metadata/core-properties" elementFormDefault="qualified" attributeFormDefault="unqualified" blockDefault="#all">
-    <xsd:import namespace="http://purl.org/dc/elements/1.1/" schemaLocation="http://dublincore.org/schemas/xmls/qdc/2003/04/02/dc.xsd"/>
-    <xsd:import namespace="http://purl.org/dc/terms/" schemaLocation="http://dublincore.org/schemas/xmls/qdc/2003/04/02/dcterms.xsd"/>
-    <xsd:element name="coreProperties" type="CT_coreProperties"/>
-    <xsd:complexType name="CT_coreProperties">
-      <xsd:all>
-        <xsd:element ref="dc:creator" minOccurs="0" maxOccurs="1"/>
-        <xsd:element ref="dcterms:created" minOccurs="0" maxOccurs="1"/>
-        <xsd:element ref="dc:identifier" minOccurs="0" maxOccurs="1"/>
-        <xsd:element name="contentType" minOccurs="0" maxOccurs="1" type="xsd:string" ma:index="0" ma:displayName="Content Type"/>
-        <xsd:element ref="dc:title" minOccurs="0" maxOccurs="1" ma:index="4" ma:displayName="Title"/>
-        <xsd:element ref="dc:subject" minOccurs="0" maxOccurs="1"/>
-        <xsd:element ref="dc:description" minOccurs="0" maxOccurs="1"/>
-        <xsd:element name="keywords" minOccurs="0" maxOccurs="1" type="xsd:string"/>
-        <xsd:element ref="dc:language" minOccurs="0" maxOccurs="1"/>
-        <xsd:element name="category" minOccurs="0" maxOccurs="1" type="xsd:string"/>
-        <xsd:element name="version" minOccurs="0" maxOccurs="1" type="xsd:string"/>
-        <xsd:element name="revision" minOccurs="0" maxOccurs="1" type="xsd:string">
-          <xsd:annotation>
-            <xsd:documentation>
-                        This value indicates the number of saves or revisions. The application is responsible for updating this value after each revision.
-                    </xsd:documentation>
-          </xsd:annotation>
-        </xsd:element>
-        <xsd:element name="lastModifiedBy" minOccurs="0" maxOccurs="1" type="xsd:string"/>
-        <xsd:element ref="dcterms:modified" minOccurs="0" maxOccurs="1"/>
-        <xsd:element name="contentStatus" minOccurs="0" maxOccurs="1" type="xsd:string"/>
-      </xsd:all>
-    </xsd:complexType>
-  </xsd:schema>
-  <xs:schema xmlns:pc="http://schemas.microsoft.com/office/infopath/2007/PartnerControls" xmlns:xs="http://www.w3.org/2001/XMLSchema" targetNamespace="http://schemas.microsoft.com/office/infopath/2007/PartnerControls" elementFormDefault="qualified" attributeFormDefault="unqualified">
-    <xs:element name="Person">
-      <xs:complexType>
-        <xs:sequence>
-          <xs:element ref="pc:DisplayName" minOccurs="0"/>
-          <xs:element ref="pc:AccountId" minOccurs="0"/>
-          <xs:element ref="pc:AccountType" minOccurs="0"/>
-        </xs:sequence>
-      </xs:complexType>
-    </xs:element>
-    <xs:element name="DisplayName" type="xs:string"/>
-    <xs:element name="AccountId" type="xs:string"/>
-    <xs:element name="AccountType" type="xs:string"/>
-    <xs:element name="BDCAssociatedEntity">
-      <xs:complexType>
-        <xs:sequence>
-          <xs:element ref="pc:BDCEntity" minOccurs="0" maxOccurs="unbounded"/>
-        </xs:sequence>
-        <xs:attribute ref="pc:EntityNamespace"/>
-        <xs:attribute ref="pc:EntityName"/>
-        <xs:attribute ref="pc:SystemInstanceName"/>
-        <xs:attribute ref="pc:AssociationName"/>
-      </xs:complexType>
-    </xs:element>
-    <xs:attribute name="EntityNamespace" type="xs:string"/>
-    <xs:attribute name="EntityName" type="xs:string"/>
-    <xs:attribute name="SystemInstanceName" type="xs:string"/>
-    <xs:attribute name="AssociationName" type="xs:string"/>
-    <xs:element name="BDCEntity">
-      <xs:complexType>
-        <xs:sequence>
-          <xs:element ref="pc:EntityDisplayName" minOccurs="0"/>
-          <xs:element ref="pc:EntityInstanceReference" minOccurs="0"/>
-          <xs:element ref="pc:EntityId1" minOccurs="0"/>
-          <xs:element ref="pc:EntityId2" minOccurs="0"/>
-          <xs:element ref="pc:EntityId3" minOccurs="0"/>
-          <xs:element ref="pc:EntityId4" minOccurs="0"/>
-          <xs:element ref="pc:EntityId5" minOccurs="0"/>
-        </xs:sequence>
-      </xs:complexType>
-    </xs:element>
-    <xs:element name="EntityDisplayName" type="xs:string"/>
-    <xs:element name="EntityInstanceReference" type="xs:string"/>
-    <xs:element name="EntityId1" type="xs:string"/>
-    <xs:element name="EntityId2" type="xs:string"/>
-    <xs:element name="EntityId3" type="xs:string"/>
-    <xs:element name="EntityId4" type="xs:string"/>
-    <xs:element name="EntityId5" type="xs:string"/>
-    <xs:element name="Terms">
-      <xs:complexType>
-        <xs:sequence>
-          <xs:element ref="pc:TermInfo" minOccurs="0" maxOccurs="unbounded"/>
-        </xs:sequence>
-      </xs:complexType>
-    </xs:element>
-    <xs:element name="TermInfo">
-      <xs:complexType>
-        <xs:sequence>
-          <xs:element ref="pc:TermName" minOccurs="0"/>
-          <xs:element ref="pc:TermId" minOccurs="0"/>
-        </xs:sequence>
-      </xs:complexType>
-    </xs:element>
-    <xs:element name="TermName" type="xs:string"/>
-    <xs:element name="TermId" type="xs:string"/>
-  </xs:schema>
-</ct:contentTypeSchema>
-</file>
-
-<file path=customXml/itemProps1.xml><?xml version="1.0" encoding="utf-8"?>
-<ds:datastoreItem xmlns:ds="http://schemas.openxmlformats.org/officeDocument/2006/customXml" ds:itemID="{BDF3913C-EAE9-44AE-AA24-C84C803A87F8}">
-  <ds:schemaRefs>
-    <ds:schemaRef ds:uri="http://schemas.microsoft.com/sharepoint/v3/contenttype/forms"/>
-  </ds:schemaRefs>
-</ds:datastoreItem>
-</file>
-
-<file path=customXml/itemProps2.xml><?xml version="1.0" encoding="utf-8"?>
-<ds:datastoreItem xmlns:ds="http://schemas.openxmlformats.org/officeDocument/2006/customXml" ds:itemID="{129346A1-2C12-4D4A-9A52-C8313D42EBC8}">
-  <ds:schemaRefs>
-    <ds:schemaRef ds:uri="http://schemas.microsoft.com/office/2006/metadata/contentType"/>
-    <ds:schemaRef ds:uri="http://schemas.microsoft.com/office/2006/metadata/properties/metaAttributes"/>
-    <ds:schemaRef ds:uri="http://www.w3.org/2001/XMLSchema"/>
-    <ds:schemaRef ds:uri="http://schemas.microsoft.com/office/2006/metadata/properties"/>
-    <ds:schemaRef ds:uri="a54e259a-f073-49a9-8e76-ff7d29ad8d20"/>
-    <ds:schemaRef ds:uri="ae32b7ce-9091-43ce-8882-60fc6bebe746"/>
-    <ds:schemaRef ds:uri="http://schemas.microsoft.com/office/2006/documentManagement/types"/>
-    <ds:schemaRef ds:uri="http://schemas.microsoft.com/office/infopath/2007/PartnerControls"/>
-    <ds:schemaRef ds:uri="http://schemas.openxmlformats.org/package/2006/metadata/core-properties"/>
-    <ds:schemaRef ds:uri="http://purl.org/dc/elements/1.1/"/>
-    <ds:schemaRef ds:uri="http://purl.org/dc/terms/"/>
-    <ds:schemaRef ds:uri="http://schemas.microsoft.com/internal/obd"/>
-  </ds:schemaRefs>
-</ds:datastoreItem>
 </file>